--- a/Presentation.pptx
+++ b/Presentation.pptx
@@ -16,7 +16,10 @@
     <p:sldId id="263" r:id="rId10"/>
     <p:sldId id="265" r:id="rId11"/>
     <p:sldId id="264" r:id="rId12"/>
-    <p:sldId id="266" r:id="rId13"/>
+    <p:sldId id="269" r:id="rId13"/>
+    <p:sldId id="270" r:id="rId14"/>
+    <p:sldId id="268" r:id="rId15"/>
+    <p:sldId id="266" r:id="rId16"/>
   </p:sldIdLst>
   <p:sldSz cx="12192000" cy="6858000"/>
   <p:notesSz cx="6858000" cy="9144000"/>
@@ -270,7 +273,7 @@
           <a:p>
             <a:fld id="{E0A78C44-D42D-4F44-AF3D-95376ABE7C4A}" type="datetimeFigureOut">
               <a:rPr lang="zh-CN" altLang="en-US" smtClean="0"/>
-              <a:t>2024/4/30</a:t>
+              <a:t>2024/6/5</a:t>
             </a:fld>
             <a:endParaRPr lang="zh-CN" altLang="en-US"/>
           </a:p>
@@ -468,7 +471,7 @@
           <a:p>
             <a:fld id="{E0A78C44-D42D-4F44-AF3D-95376ABE7C4A}" type="datetimeFigureOut">
               <a:rPr lang="zh-CN" altLang="en-US" smtClean="0"/>
-              <a:t>2024/4/30</a:t>
+              <a:t>2024/6/5</a:t>
             </a:fld>
             <a:endParaRPr lang="zh-CN" altLang="en-US"/>
           </a:p>
@@ -676,7 +679,7 @@
           <a:p>
             <a:fld id="{E0A78C44-D42D-4F44-AF3D-95376ABE7C4A}" type="datetimeFigureOut">
               <a:rPr lang="zh-CN" altLang="en-US" smtClean="0"/>
-              <a:t>2024/4/30</a:t>
+              <a:t>2024/6/5</a:t>
             </a:fld>
             <a:endParaRPr lang="zh-CN" altLang="en-US"/>
           </a:p>
@@ -874,7 +877,7 @@
           <a:p>
             <a:fld id="{E0A78C44-D42D-4F44-AF3D-95376ABE7C4A}" type="datetimeFigureOut">
               <a:rPr lang="zh-CN" altLang="en-US" smtClean="0"/>
-              <a:t>2024/4/30</a:t>
+              <a:t>2024/6/5</a:t>
             </a:fld>
             <a:endParaRPr lang="zh-CN" altLang="en-US"/>
           </a:p>
@@ -1149,7 +1152,7 @@
           <a:p>
             <a:fld id="{E0A78C44-D42D-4F44-AF3D-95376ABE7C4A}" type="datetimeFigureOut">
               <a:rPr lang="zh-CN" altLang="en-US" smtClean="0"/>
-              <a:t>2024/4/30</a:t>
+              <a:t>2024/6/5</a:t>
             </a:fld>
             <a:endParaRPr lang="zh-CN" altLang="en-US"/>
           </a:p>
@@ -1414,7 +1417,7 @@
           <a:p>
             <a:fld id="{E0A78C44-D42D-4F44-AF3D-95376ABE7C4A}" type="datetimeFigureOut">
               <a:rPr lang="zh-CN" altLang="en-US" smtClean="0"/>
-              <a:t>2024/4/30</a:t>
+              <a:t>2024/6/5</a:t>
             </a:fld>
             <a:endParaRPr lang="zh-CN" altLang="en-US"/>
           </a:p>
@@ -1826,7 +1829,7 @@
           <a:p>
             <a:fld id="{E0A78C44-D42D-4F44-AF3D-95376ABE7C4A}" type="datetimeFigureOut">
               <a:rPr lang="zh-CN" altLang="en-US" smtClean="0"/>
-              <a:t>2024/4/30</a:t>
+              <a:t>2024/6/5</a:t>
             </a:fld>
             <a:endParaRPr lang="zh-CN" altLang="en-US"/>
           </a:p>
@@ -1967,7 +1970,7 @@
           <a:p>
             <a:fld id="{E0A78C44-D42D-4F44-AF3D-95376ABE7C4A}" type="datetimeFigureOut">
               <a:rPr lang="zh-CN" altLang="en-US" smtClean="0"/>
-              <a:t>2024/4/30</a:t>
+              <a:t>2024/6/5</a:t>
             </a:fld>
             <a:endParaRPr lang="zh-CN" altLang="en-US"/>
           </a:p>
@@ -2080,7 +2083,7 @@
           <a:p>
             <a:fld id="{E0A78C44-D42D-4F44-AF3D-95376ABE7C4A}" type="datetimeFigureOut">
               <a:rPr lang="zh-CN" altLang="en-US" smtClean="0"/>
-              <a:t>2024/4/30</a:t>
+              <a:t>2024/6/5</a:t>
             </a:fld>
             <a:endParaRPr lang="zh-CN" altLang="en-US"/>
           </a:p>
@@ -2391,7 +2394,7 @@
           <a:p>
             <a:fld id="{E0A78C44-D42D-4F44-AF3D-95376ABE7C4A}" type="datetimeFigureOut">
               <a:rPr lang="zh-CN" altLang="en-US" smtClean="0"/>
-              <a:t>2024/4/30</a:t>
+              <a:t>2024/6/5</a:t>
             </a:fld>
             <a:endParaRPr lang="zh-CN" altLang="en-US"/>
           </a:p>
@@ -2679,7 +2682,7 @@
           <a:p>
             <a:fld id="{E0A78C44-D42D-4F44-AF3D-95376ABE7C4A}" type="datetimeFigureOut">
               <a:rPr lang="zh-CN" altLang="en-US" smtClean="0"/>
-              <a:t>2024/4/30</a:t>
+              <a:t>2024/6/5</a:t>
             </a:fld>
             <a:endParaRPr lang="zh-CN" altLang="en-US"/>
           </a:p>
@@ -2920,7 +2923,7 @@
           <a:p>
             <a:fld id="{E0A78C44-D42D-4F44-AF3D-95376ABE7C4A}" type="datetimeFigureOut">
               <a:rPr lang="zh-CN" altLang="en-US" smtClean="0"/>
-              <a:t>2024/4/30</a:t>
+              <a:t>2024/6/5</a:t>
             </a:fld>
             <a:endParaRPr lang="zh-CN" altLang="en-US"/>
           </a:p>
@@ -3907,6 +3910,533 @@
           <p:cNvPr id="2" name="标题 1">
             <a:extLst>
               <a:ext uri="{FF2B5EF4-FFF2-40B4-BE49-F238E27FC236}">
+                <a16:creationId xmlns:a16="http://schemas.microsoft.com/office/drawing/2014/main" id="{72746FD1-BCD9-5A4B-97BB-20CFA73597C0}"/>
+              </a:ext>
+            </a:extLst>
+          </p:cNvPr>
+          <p:cNvSpPr>
+            <a:spLocks noGrp="1"/>
+          </p:cNvSpPr>
+          <p:nvPr>
+            <p:ph type="title"/>
+          </p:nvPr>
+        </p:nvSpPr>
+        <p:spPr>
+          <a:xfrm>
+            <a:off x="838200" y="2285365"/>
+            <a:ext cx="10515600" cy="1325563"/>
+          </a:xfrm>
+        </p:spPr>
+        <p:txBody>
+          <a:bodyPr/>
+          <a:lstStyle/>
+          <a:p>
+            <a:r>
+              <a:rPr lang="en-US" altLang="zh-CN" dirty="0"/>
+              <a:t>05/06/2024</a:t>
+            </a:r>
+            <a:endParaRPr lang="zh-CN" altLang="en-US" dirty="0"/>
+          </a:p>
+        </p:txBody>
+      </p:sp>
+      <p:sp>
+        <p:nvSpPr>
+          <p:cNvPr id="3" name="内容占位符 2">
+            <a:extLst>
+              <a:ext uri="{FF2B5EF4-FFF2-40B4-BE49-F238E27FC236}">
+                <a16:creationId xmlns:a16="http://schemas.microsoft.com/office/drawing/2014/main" id="{32C6573C-78E4-BEE4-8CE2-947F7AF83601}"/>
+              </a:ext>
+            </a:extLst>
+          </p:cNvPr>
+          <p:cNvSpPr>
+            <a:spLocks noGrp="1"/>
+          </p:cNvSpPr>
+          <p:nvPr>
+            <p:ph idx="1"/>
+          </p:nvPr>
+        </p:nvSpPr>
+        <p:spPr/>
+        <p:txBody>
+          <a:bodyPr/>
+          <a:lstStyle/>
+          <a:p>
+            <a:endParaRPr lang="zh-CN" altLang="en-US" dirty="0"/>
+          </a:p>
+        </p:txBody>
+      </p:sp>
+    </p:spTree>
+    <p:extLst>
+      <p:ext uri="{BB962C8B-B14F-4D97-AF65-F5344CB8AC3E}">
+        <p14:creationId xmlns:p14="http://schemas.microsoft.com/office/powerpoint/2010/main" val="3819395287"/>
+      </p:ext>
+    </p:extLst>
+  </p:cSld>
+  <p:clrMapOvr>
+    <a:masterClrMapping/>
+  </p:clrMapOvr>
+</p:sld>
+</file>
+
+<file path=ppt/slides/slide13.xml><?xml version="1.0" encoding="utf-8"?>
+<p:sld xmlns:a="http://schemas.openxmlformats.org/drawingml/2006/main" xmlns:r="http://schemas.openxmlformats.org/officeDocument/2006/relationships" xmlns:p="http://schemas.openxmlformats.org/presentationml/2006/main">
+  <p:cSld>
+    <p:spTree>
+      <p:nvGrpSpPr>
+        <p:cNvPr id="1" name=""/>
+        <p:cNvGrpSpPr/>
+        <p:nvPr/>
+      </p:nvGrpSpPr>
+      <p:grpSpPr>
+        <a:xfrm>
+          <a:off x="0" y="0"/>
+          <a:ext cx="0" cy="0"/>
+          <a:chOff x="0" y="0"/>
+          <a:chExt cx="0" cy="0"/>
+        </a:xfrm>
+      </p:grpSpPr>
+      <p:sp>
+        <p:nvSpPr>
+          <p:cNvPr id="4" name="文本框 3">
+            <a:extLst>
+              <a:ext uri="{FF2B5EF4-FFF2-40B4-BE49-F238E27FC236}">
+                <a16:creationId xmlns:a16="http://schemas.microsoft.com/office/drawing/2014/main" id="{2A850731-70FD-5497-26C6-5E3321ECBD61}"/>
+              </a:ext>
+            </a:extLst>
+          </p:cNvPr>
+          <p:cNvSpPr txBox="1"/>
+          <p:nvPr/>
+        </p:nvSpPr>
+        <p:spPr>
+          <a:xfrm>
+            <a:off x="1426464" y="357253"/>
+            <a:ext cx="2679192" cy="369332"/>
+          </a:xfrm>
+          <a:prstGeom prst="rect">
+            <a:avLst/>
+          </a:prstGeom>
+          <a:noFill/>
+        </p:spPr>
+        <p:txBody>
+          <a:bodyPr wrap="square" rtlCol="0">
+            <a:spAutoFit/>
+          </a:bodyPr>
+          <a:lstStyle/>
+          <a:p>
+            <a:r>
+              <a:rPr lang="en-US" altLang="zh-CN" dirty="0" err="1"/>
+              <a:t>PointNet</a:t>
+            </a:r>
+            <a:r>
+              <a:rPr lang="en-US" altLang="zh-CN" dirty="0"/>
+              <a:t> on cut1</a:t>
+            </a:r>
+            <a:endParaRPr lang="zh-CN" altLang="en-US" dirty="0"/>
+          </a:p>
+        </p:txBody>
+      </p:sp>
+      <p:sp>
+        <p:nvSpPr>
+          <p:cNvPr id="5" name="文本框 4">
+            <a:extLst>
+              <a:ext uri="{FF2B5EF4-FFF2-40B4-BE49-F238E27FC236}">
+                <a16:creationId xmlns:a16="http://schemas.microsoft.com/office/drawing/2014/main" id="{E8AFC8B1-E693-0185-5439-3E7585C8789D}"/>
+              </a:ext>
+            </a:extLst>
+          </p:cNvPr>
+          <p:cNvSpPr txBox="1"/>
+          <p:nvPr/>
+        </p:nvSpPr>
+        <p:spPr>
+          <a:xfrm>
+            <a:off x="8086346" y="357253"/>
+            <a:ext cx="2136648" cy="369332"/>
+          </a:xfrm>
+          <a:prstGeom prst="rect">
+            <a:avLst/>
+          </a:prstGeom>
+          <a:noFill/>
+        </p:spPr>
+        <p:txBody>
+          <a:bodyPr wrap="square" rtlCol="0">
+            <a:spAutoFit/>
+          </a:bodyPr>
+          <a:lstStyle/>
+          <a:p>
+            <a:r>
+              <a:rPr lang="en-US" altLang="zh-CN" dirty="0" err="1"/>
+              <a:t>PointNet</a:t>
+            </a:r>
+            <a:r>
+              <a:rPr lang="en-US" altLang="zh-CN" dirty="0"/>
+              <a:t> on vessel</a:t>
+            </a:r>
+            <a:endParaRPr lang="zh-CN" altLang="en-US" dirty="0"/>
+          </a:p>
+        </p:txBody>
+      </p:sp>
+      <p:pic>
+        <p:nvPicPr>
+          <p:cNvPr id="7" name="图片 6">
+            <a:extLst>
+              <a:ext uri="{FF2B5EF4-FFF2-40B4-BE49-F238E27FC236}">
+                <a16:creationId xmlns:a16="http://schemas.microsoft.com/office/drawing/2014/main" id="{D42688AE-F71F-0D88-994A-FCFD37536D90}"/>
+              </a:ext>
+            </a:extLst>
+          </p:cNvPr>
+          <p:cNvPicPr>
+            <a:picLocks noChangeAspect="1"/>
+          </p:cNvPicPr>
+          <p:nvPr/>
+        </p:nvPicPr>
+        <p:blipFill>
+          <a:blip r:embed="rId2"/>
+          <a:stretch>
+            <a:fillRect/>
+          </a:stretch>
+        </p:blipFill>
+        <p:spPr>
+          <a:xfrm>
+            <a:off x="111248" y="726585"/>
+            <a:ext cx="3795839" cy="2715577"/>
+          </a:xfrm>
+          <a:prstGeom prst="rect">
+            <a:avLst/>
+          </a:prstGeom>
+        </p:spPr>
+      </p:pic>
+      <p:pic>
+        <p:nvPicPr>
+          <p:cNvPr id="13" name="图片 12">
+            <a:extLst>
+              <a:ext uri="{FF2B5EF4-FFF2-40B4-BE49-F238E27FC236}">
+                <a16:creationId xmlns:a16="http://schemas.microsoft.com/office/drawing/2014/main" id="{AAA74178-092F-8EEA-32FA-98229D6C75FB}"/>
+              </a:ext>
+            </a:extLst>
+          </p:cNvPr>
+          <p:cNvPicPr>
+            <a:picLocks noChangeAspect="1"/>
+          </p:cNvPicPr>
+          <p:nvPr/>
+        </p:nvPicPr>
+        <p:blipFill>
+          <a:blip r:embed="rId3"/>
+          <a:stretch>
+            <a:fillRect/>
+          </a:stretch>
+        </p:blipFill>
+        <p:spPr>
+          <a:xfrm>
+            <a:off x="5689432" y="726585"/>
+            <a:ext cx="3980690" cy="2847821"/>
+          </a:xfrm>
+          <a:prstGeom prst="rect">
+            <a:avLst/>
+          </a:prstGeom>
+        </p:spPr>
+      </p:pic>
+      <p:pic>
+        <p:nvPicPr>
+          <p:cNvPr id="11" name="图片 10">
+            <a:extLst>
+              <a:ext uri="{FF2B5EF4-FFF2-40B4-BE49-F238E27FC236}">
+                <a16:creationId xmlns:a16="http://schemas.microsoft.com/office/drawing/2014/main" id="{E766C73E-0967-3D6D-04C5-06FBD520FF23}"/>
+              </a:ext>
+            </a:extLst>
+          </p:cNvPr>
+          <p:cNvPicPr>
+            <a:picLocks noChangeAspect="1"/>
+          </p:cNvPicPr>
+          <p:nvPr/>
+        </p:nvPicPr>
+        <p:blipFill>
+          <a:blip r:embed="rId4"/>
+          <a:stretch>
+            <a:fillRect/>
+          </a:stretch>
+        </p:blipFill>
+        <p:spPr>
+          <a:xfrm>
+            <a:off x="8946182" y="3343876"/>
+            <a:ext cx="3002872" cy="3514124"/>
+          </a:xfrm>
+          <a:prstGeom prst="rect">
+            <a:avLst/>
+          </a:prstGeom>
+        </p:spPr>
+      </p:pic>
+      <p:pic>
+        <p:nvPicPr>
+          <p:cNvPr id="9" name="图片 8">
+            <a:extLst>
+              <a:ext uri="{FF2B5EF4-FFF2-40B4-BE49-F238E27FC236}">
+                <a16:creationId xmlns:a16="http://schemas.microsoft.com/office/drawing/2014/main" id="{7CBB4132-FB3C-06D3-0733-180886A00B92}"/>
+              </a:ext>
+            </a:extLst>
+          </p:cNvPr>
+          <p:cNvPicPr>
+            <a:picLocks noChangeAspect="1"/>
+          </p:cNvPicPr>
+          <p:nvPr/>
+        </p:nvPicPr>
+        <p:blipFill>
+          <a:blip r:embed="rId5"/>
+          <a:stretch>
+            <a:fillRect/>
+          </a:stretch>
+        </p:blipFill>
+        <p:spPr>
+          <a:xfrm>
+            <a:off x="2686560" y="3343876"/>
+            <a:ext cx="3002872" cy="3514124"/>
+          </a:xfrm>
+          <a:prstGeom prst="rect">
+            <a:avLst/>
+          </a:prstGeom>
+        </p:spPr>
+      </p:pic>
+    </p:spTree>
+    <p:extLst>
+      <p:ext uri="{BB962C8B-B14F-4D97-AF65-F5344CB8AC3E}">
+        <p14:creationId xmlns:p14="http://schemas.microsoft.com/office/powerpoint/2010/main" val="575425780"/>
+      </p:ext>
+    </p:extLst>
+  </p:cSld>
+  <p:clrMapOvr>
+    <a:masterClrMapping/>
+  </p:clrMapOvr>
+</p:sld>
+</file>
+
+<file path=ppt/slides/slide14.xml><?xml version="1.0" encoding="utf-8"?>
+<p:sld xmlns:a="http://schemas.openxmlformats.org/drawingml/2006/main" xmlns:r="http://schemas.openxmlformats.org/officeDocument/2006/relationships" xmlns:p="http://schemas.openxmlformats.org/presentationml/2006/main">
+  <p:cSld>
+    <p:spTree>
+      <p:nvGrpSpPr>
+        <p:cNvPr id="1" name=""/>
+        <p:cNvGrpSpPr/>
+        <p:nvPr/>
+      </p:nvGrpSpPr>
+      <p:grpSpPr>
+        <a:xfrm>
+          <a:off x="0" y="0"/>
+          <a:ext cx="0" cy="0"/>
+          <a:chOff x="0" y="0"/>
+          <a:chExt cx="0" cy="0"/>
+        </a:xfrm>
+      </p:grpSpPr>
+      <p:sp>
+        <p:nvSpPr>
+          <p:cNvPr id="2" name="标题 1">
+            <a:extLst>
+              <a:ext uri="{FF2B5EF4-FFF2-40B4-BE49-F238E27FC236}">
+                <a16:creationId xmlns:a16="http://schemas.microsoft.com/office/drawing/2014/main" id="{029572D2-65D4-5DCB-23DC-83056D194031}"/>
+              </a:ext>
+            </a:extLst>
+          </p:cNvPr>
+          <p:cNvSpPr>
+            <a:spLocks noGrp="1"/>
+          </p:cNvSpPr>
+          <p:nvPr>
+            <p:ph type="title"/>
+          </p:nvPr>
+        </p:nvSpPr>
+        <p:spPr>
+          <a:xfrm>
+            <a:off x="751298" y="54413"/>
+            <a:ext cx="10515600" cy="1325563"/>
+          </a:xfrm>
+        </p:spPr>
+        <p:txBody>
+          <a:bodyPr/>
+          <a:lstStyle/>
+          <a:p>
+            <a:r>
+              <a:rPr lang="en-US" altLang="zh-CN" dirty="0"/>
+              <a:t>Loss and Accuracy</a:t>
+            </a:r>
+            <a:endParaRPr lang="zh-CN" altLang="en-US" dirty="0"/>
+          </a:p>
+        </p:txBody>
+      </p:sp>
+      <p:pic>
+        <p:nvPicPr>
+          <p:cNvPr id="5" name="图片 4">
+            <a:extLst>
+              <a:ext uri="{FF2B5EF4-FFF2-40B4-BE49-F238E27FC236}">
+                <a16:creationId xmlns:a16="http://schemas.microsoft.com/office/drawing/2014/main" id="{5D8B96BA-4E7E-CD51-C5D9-E5B4204AA9EE}"/>
+              </a:ext>
+            </a:extLst>
+          </p:cNvPr>
+          <p:cNvPicPr>
+            <a:picLocks noChangeAspect="1"/>
+          </p:cNvPicPr>
+          <p:nvPr/>
+        </p:nvPicPr>
+        <p:blipFill>
+          <a:blip r:embed="rId2"/>
+          <a:stretch>
+            <a:fillRect/>
+          </a:stretch>
+        </p:blipFill>
+        <p:spPr>
+          <a:xfrm>
+            <a:off x="5981128" y="2093976"/>
+            <a:ext cx="5459574" cy="3961892"/>
+          </a:xfrm>
+          <a:prstGeom prst="rect">
+            <a:avLst/>
+          </a:prstGeom>
+        </p:spPr>
+      </p:pic>
+      <p:pic>
+        <p:nvPicPr>
+          <p:cNvPr id="7" name="图片 6">
+            <a:extLst>
+              <a:ext uri="{FF2B5EF4-FFF2-40B4-BE49-F238E27FC236}">
+                <a16:creationId xmlns:a16="http://schemas.microsoft.com/office/drawing/2014/main" id="{BA7AD199-CD54-31BF-5958-BCC8C9C568BF}"/>
+              </a:ext>
+            </a:extLst>
+          </p:cNvPr>
+          <p:cNvPicPr>
+            <a:picLocks noChangeAspect="1"/>
+          </p:cNvPicPr>
+          <p:nvPr/>
+        </p:nvPicPr>
+        <p:blipFill>
+          <a:blip r:embed="rId3"/>
+          <a:stretch>
+            <a:fillRect/>
+          </a:stretch>
+        </p:blipFill>
+        <p:spPr>
+          <a:xfrm>
+            <a:off x="751298" y="2259890"/>
+            <a:ext cx="5074110" cy="3630063"/>
+          </a:xfrm>
+          <a:prstGeom prst="rect">
+            <a:avLst/>
+          </a:prstGeom>
+        </p:spPr>
+      </p:pic>
+      <p:sp>
+        <p:nvSpPr>
+          <p:cNvPr id="8" name="文本框 7">
+            <a:extLst>
+              <a:ext uri="{FF2B5EF4-FFF2-40B4-BE49-F238E27FC236}">
+                <a16:creationId xmlns:a16="http://schemas.microsoft.com/office/drawing/2014/main" id="{7EE09D36-37A7-9210-827F-AF63D203AFDD}"/>
+              </a:ext>
+            </a:extLst>
+          </p:cNvPr>
+          <p:cNvSpPr txBox="1"/>
+          <p:nvPr/>
+        </p:nvSpPr>
+        <p:spPr>
+          <a:xfrm>
+            <a:off x="2066544" y="1353949"/>
+            <a:ext cx="2679192" cy="369332"/>
+          </a:xfrm>
+          <a:prstGeom prst="rect">
+            <a:avLst/>
+          </a:prstGeom>
+          <a:noFill/>
+        </p:spPr>
+        <p:txBody>
+          <a:bodyPr wrap="square" rtlCol="0">
+            <a:spAutoFit/>
+          </a:bodyPr>
+          <a:lstStyle/>
+          <a:p>
+            <a:r>
+              <a:rPr lang="en-US" altLang="zh-CN" dirty="0" err="1"/>
+              <a:t>PointNet</a:t>
+            </a:r>
+            <a:r>
+              <a:rPr lang="en-US" altLang="zh-CN" dirty="0"/>
+              <a:t> on Dome</a:t>
+            </a:r>
+            <a:endParaRPr lang="zh-CN" altLang="en-US" dirty="0"/>
+          </a:p>
+        </p:txBody>
+      </p:sp>
+      <p:sp>
+        <p:nvSpPr>
+          <p:cNvPr id="9" name="文本框 8">
+            <a:extLst>
+              <a:ext uri="{FF2B5EF4-FFF2-40B4-BE49-F238E27FC236}">
+                <a16:creationId xmlns:a16="http://schemas.microsoft.com/office/drawing/2014/main" id="{AC82C0BC-6EFA-DAB5-33A0-02B2EA297F0E}"/>
+              </a:ext>
+            </a:extLst>
+          </p:cNvPr>
+          <p:cNvSpPr txBox="1"/>
+          <p:nvPr/>
+        </p:nvSpPr>
+        <p:spPr>
+          <a:xfrm>
+            <a:off x="6315187" y="1405121"/>
+            <a:ext cx="4791456" cy="369332"/>
+          </a:xfrm>
+          <a:prstGeom prst="rect">
+            <a:avLst/>
+          </a:prstGeom>
+          <a:noFill/>
+        </p:spPr>
+        <p:txBody>
+          <a:bodyPr wrap="square" rtlCol="0">
+            <a:spAutoFit/>
+          </a:bodyPr>
+          <a:lstStyle/>
+          <a:p>
+            <a:r>
+              <a:rPr lang="en-US" altLang="zh-CN" dirty="0"/>
+              <a:t>Double-Branch </a:t>
+            </a:r>
+            <a:r>
+              <a:rPr lang="en-US" altLang="zh-CN" dirty="0" err="1"/>
+              <a:t>PointNet</a:t>
+            </a:r>
+            <a:r>
+              <a:rPr lang="en-US" altLang="zh-CN" dirty="0"/>
+              <a:t> on Dome and Vessel</a:t>
+            </a:r>
+            <a:endParaRPr lang="zh-CN" altLang="en-US" dirty="0"/>
+          </a:p>
+        </p:txBody>
+      </p:sp>
+    </p:spTree>
+    <p:extLst>
+      <p:ext uri="{BB962C8B-B14F-4D97-AF65-F5344CB8AC3E}">
+        <p14:creationId xmlns:p14="http://schemas.microsoft.com/office/powerpoint/2010/main" val="394157011"/>
+      </p:ext>
+    </p:extLst>
+  </p:cSld>
+  <p:clrMapOvr>
+    <a:masterClrMapping/>
+  </p:clrMapOvr>
+</p:sld>
+</file>
+
+<file path=ppt/slides/slide15.xml><?xml version="1.0" encoding="utf-8"?>
+<p:sld xmlns:a="http://schemas.openxmlformats.org/drawingml/2006/main" xmlns:r="http://schemas.openxmlformats.org/officeDocument/2006/relationships" xmlns:p="http://schemas.openxmlformats.org/presentationml/2006/main">
+  <p:cSld>
+    <p:spTree>
+      <p:nvGrpSpPr>
+        <p:cNvPr id="1" name=""/>
+        <p:cNvGrpSpPr/>
+        <p:nvPr/>
+      </p:nvGrpSpPr>
+      <p:grpSpPr>
+        <a:xfrm>
+          <a:off x="0" y="0"/>
+          <a:ext cx="0" cy="0"/>
+          <a:chOff x="0" y="0"/>
+          <a:chExt cx="0" cy="0"/>
+        </a:xfrm>
+      </p:grpSpPr>
+      <p:sp>
+        <p:nvSpPr>
+          <p:cNvPr id="2" name="标题 1">
+            <a:extLst>
+              <a:ext uri="{FF2B5EF4-FFF2-40B4-BE49-F238E27FC236}">
                 <a16:creationId xmlns:a16="http://schemas.microsoft.com/office/drawing/2014/main" id="{00AC8006-3B16-A2F1-AE8D-DD5EBB6063CB}"/>
               </a:ext>
             </a:extLst>
@@ -3923,32 +4453,154 @@
           <a:bodyPr/>
           <a:lstStyle/>
           <a:p>
-            <a:endParaRPr lang="zh-CN" altLang="en-US"/>
-          </a:p>
-        </p:txBody>
-      </p:sp>
-      <p:sp>
-        <p:nvSpPr>
-          <p:cNvPr id="3" name="内容占位符 2">
-            <a:extLst>
-              <a:ext uri="{FF2B5EF4-FFF2-40B4-BE49-F238E27FC236}">
-                <a16:creationId xmlns:a16="http://schemas.microsoft.com/office/drawing/2014/main" id="{6C1FE4B4-6CC9-F2AD-B417-ECACCC747443}"/>
-              </a:ext>
-            </a:extLst>
-          </p:cNvPr>
-          <p:cNvSpPr>
-            <a:spLocks noGrp="1"/>
-          </p:cNvSpPr>
+            <a:r>
+              <a:rPr lang="en-US" altLang="zh-CN" dirty="0"/>
+              <a:t>Confusion Matrix</a:t>
+            </a:r>
+            <a:endParaRPr lang="zh-CN" altLang="en-US" dirty="0"/>
+          </a:p>
+        </p:txBody>
+      </p:sp>
+      <p:pic>
+        <p:nvPicPr>
+          <p:cNvPr id="5" name="内容占位符 4">
+            <a:extLst>
+              <a:ext uri="{FF2B5EF4-FFF2-40B4-BE49-F238E27FC236}">
+                <a16:creationId xmlns:a16="http://schemas.microsoft.com/office/drawing/2014/main" id="{6ECC6983-6597-D9BB-3A12-2E974C27DCD2}"/>
+              </a:ext>
+            </a:extLst>
+          </p:cNvPr>
+          <p:cNvPicPr>
+            <a:picLocks noGrp="1" noChangeAspect="1"/>
+          </p:cNvPicPr>
           <p:nvPr>
             <p:ph idx="1"/>
           </p:nvPr>
-        </p:nvSpPr>
-        <p:spPr/>
-        <p:txBody>
-          <a:bodyPr/>
-          <a:lstStyle/>
-          <a:p>
-            <a:endParaRPr lang="zh-CN" altLang="en-US"/>
+        </p:nvPicPr>
+        <p:blipFill>
+          <a:blip r:embed="rId2"/>
+          <a:stretch>
+            <a:fillRect/>
+          </a:stretch>
+        </p:blipFill>
+        <p:spPr>
+          <a:xfrm>
+            <a:off x="1174596" y="2026347"/>
+            <a:ext cx="3718283" cy="4351338"/>
+          </a:xfrm>
+        </p:spPr>
+      </p:pic>
+      <p:pic>
+        <p:nvPicPr>
+          <p:cNvPr id="7" name="图片 6">
+            <a:extLst>
+              <a:ext uri="{FF2B5EF4-FFF2-40B4-BE49-F238E27FC236}">
+                <a16:creationId xmlns:a16="http://schemas.microsoft.com/office/drawing/2014/main" id="{44D99888-0CF1-3794-E0B0-B3F7960B8D77}"/>
+              </a:ext>
+            </a:extLst>
+          </p:cNvPr>
+          <p:cNvPicPr>
+            <a:picLocks noChangeAspect="1"/>
+          </p:cNvPicPr>
+          <p:nvPr/>
+        </p:nvPicPr>
+        <p:blipFill>
+          <a:blip r:embed="rId3"/>
+          <a:stretch>
+            <a:fillRect/>
+          </a:stretch>
+        </p:blipFill>
+        <p:spPr>
+          <a:xfrm>
+            <a:off x="7096938" y="2026347"/>
+            <a:ext cx="3718282" cy="4351336"/>
+          </a:xfrm>
+          <a:prstGeom prst="rect">
+            <a:avLst/>
+          </a:prstGeom>
+        </p:spPr>
+      </p:pic>
+      <p:sp>
+        <p:nvSpPr>
+          <p:cNvPr id="8" name="文本框 7">
+            <a:extLst>
+              <a:ext uri="{FF2B5EF4-FFF2-40B4-BE49-F238E27FC236}">
+                <a16:creationId xmlns:a16="http://schemas.microsoft.com/office/drawing/2014/main" id="{2228571F-EEA2-905C-5645-5EA1587AA73A}"/>
+              </a:ext>
+            </a:extLst>
+          </p:cNvPr>
+          <p:cNvSpPr txBox="1"/>
+          <p:nvPr/>
+        </p:nvSpPr>
+        <p:spPr>
+          <a:xfrm>
+            <a:off x="1847357" y="1454850"/>
+            <a:ext cx="2679192" cy="369332"/>
+          </a:xfrm>
+          <a:prstGeom prst="rect">
+            <a:avLst/>
+          </a:prstGeom>
+          <a:noFill/>
+        </p:spPr>
+        <p:txBody>
+          <a:bodyPr wrap="square" rtlCol="0">
+            <a:spAutoFit/>
+          </a:bodyPr>
+          <a:lstStyle/>
+          <a:p>
+            <a:r>
+              <a:rPr lang="en-US" altLang="zh-CN" dirty="0" err="1"/>
+              <a:t>PointNet</a:t>
+            </a:r>
+            <a:r>
+              <a:rPr lang="en-US" altLang="zh-CN" dirty="0"/>
+              <a:t> on Dome</a:t>
+            </a:r>
+            <a:endParaRPr lang="zh-CN" altLang="en-US" dirty="0"/>
+          </a:p>
+        </p:txBody>
+      </p:sp>
+      <p:sp>
+        <p:nvSpPr>
+          <p:cNvPr id="9" name="文本框 8">
+            <a:extLst>
+              <a:ext uri="{FF2B5EF4-FFF2-40B4-BE49-F238E27FC236}">
+                <a16:creationId xmlns:a16="http://schemas.microsoft.com/office/drawing/2014/main" id="{4D0D9A10-8108-BBE7-B8BB-C22681976AB7}"/>
+              </a:ext>
+            </a:extLst>
+          </p:cNvPr>
+          <p:cNvSpPr txBox="1"/>
+          <p:nvPr/>
+        </p:nvSpPr>
+        <p:spPr>
+          <a:xfrm>
+            <a:off x="6096000" y="1506022"/>
+            <a:ext cx="4791456" cy="369332"/>
+          </a:xfrm>
+          <a:prstGeom prst="rect">
+            <a:avLst/>
+          </a:prstGeom>
+          <a:noFill/>
+        </p:spPr>
+        <p:txBody>
+          <a:bodyPr wrap="square" rtlCol="0">
+            <a:spAutoFit/>
+          </a:bodyPr>
+          <a:lstStyle/>
+          <a:p>
+            <a:r>
+              <a:rPr lang="en-US" altLang="zh-CN" dirty="0"/>
+              <a:t>Double-Branch </a:t>
+            </a:r>
+            <a:r>
+              <a:rPr lang="en-US" altLang="zh-CN" dirty="0" err="1"/>
+              <a:t>PointNet</a:t>
+            </a:r>
+            <a:r>
+              <a:rPr lang="en-US" altLang="zh-CN" dirty="0"/>
+              <a:t> on Dome and Vessel</a:t>
+            </a:r>
+            <a:endParaRPr lang="zh-CN" altLang="en-US" dirty="0"/>
           </a:p>
         </p:txBody>
       </p:sp>

--- a/Presentation.pptx
+++ b/Presentation.pptx
@@ -4096,8 +4096,8 @@
         </p:blipFill>
         <p:spPr>
           <a:xfrm>
-            <a:off x="111248" y="726585"/>
-            <a:ext cx="3795839" cy="2715577"/>
+            <a:off x="1023470" y="541919"/>
+            <a:ext cx="6735601" cy="4818709"/>
           </a:xfrm>
           <a:prstGeom prst="rect">
             <a:avLst/>
@@ -4126,7 +4126,7 @@
         </p:blipFill>
         <p:spPr>
           <a:xfrm>
-            <a:off x="5689432" y="726585"/>
+            <a:off x="7800730" y="594341"/>
             <a:ext cx="3980690" cy="2847821"/>
           </a:xfrm>
           <a:prstGeom prst="rect">
@@ -4186,8 +4186,8 @@
         </p:blipFill>
         <p:spPr>
           <a:xfrm>
-            <a:off x="2686560" y="3343876"/>
-            <a:ext cx="3002872" cy="3514124"/>
+            <a:off x="7688039" y="4577085"/>
+            <a:ext cx="4093381" cy="4790297"/>
           </a:xfrm>
           <a:prstGeom prst="rect">
             <a:avLst/>
@@ -4485,8 +4485,8 @@
         </p:blipFill>
         <p:spPr>
           <a:xfrm>
-            <a:off x="1174596" y="2026347"/>
-            <a:ext cx="3718283" cy="4351338"/>
+            <a:off x="570134" y="1082210"/>
+            <a:ext cx="5233638" cy="6124689"/>
           </a:xfrm>
         </p:spPr>
       </p:pic>
@@ -4512,8 +4512,8 @@
         </p:blipFill>
         <p:spPr>
           <a:xfrm>
-            <a:off x="7096938" y="2026347"/>
-            <a:ext cx="3718282" cy="4351336"/>
+            <a:off x="6127595" y="628727"/>
+            <a:ext cx="5853345" cy="6849903"/>
           </a:xfrm>
           <a:prstGeom prst="rect">
             <a:avLst/>
@@ -4534,7 +4534,7 @@
         </p:nvSpPr>
         <p:spPr>
           <a:xfrm>
-            <a:off x="1847357" y="1454850"/>
+            <a:off x="1728411" y="354336"/>
             <a:ext cx="2679192" cy="369332"/>
           </a:xfrm>
           <a:prstGeom prst="rect">
@@ -4574,7 +4574,7 @@
         </p:nvSpPr>
         <p:spPr>
           <a:xfrm>
-            <a:off x="6096000" y="1506022"/>
+            <a:off x="5746595" y="175065"/>
             <a:ext cx="4791456" cy="369332"/>
           </a:xfrm>
           <a:prstGeom prst="rect">
